--- a/Final_Presentation.pptx
+++ b/Final_Presentation.pptx
@@ -17,12 +17,12 @@
     <p:sldId id="266" r:id="rId8"/>
     <p:sldId id="264" r:id="rId9"/>
     <p:sldId id="263" r:id="rId10"/>
-    <p:sldId id="267" r:id="rId11"/>
-    <p:sldId id="270" r:id="rId12"/>
-    <p:sldId id="262" r:id="rId13"/>
-    <p:sldId id="271" r:id="rId14"/>
-    <p:sldId id="272" r:id="rId15"/>
-    <p:sldId id="268" r:id="rId16"/>
+    <p:sldId id="270" r:id="rId11"/>
+    <p:sldId id="262" r:id="rId12"/>
+    <p:sldId id="271" r:id="rId13"/>
+    <p:sldId id="272" r:id="rId14"/>
+    <p:sldId id="268" r:id="rId15"/>
+    <p:sldId id="267" r:id="rId16"/>
     <p:sldId id="273" r:id="rId17"/>
   </p:sldIdLst>
   <p:sldSz cx="12192000" cy="6858000"/>
@@ -475,6 +475,90 @@
 </file>
 
 <file path=ppt/notesSlides/notesSlide1.xml><?xml version="1.0" encoding="utf-8"?>
+<p:notes xmlns:a="http://schemas.openxmlformats.org/drawingml/2006/main" xmlns:r="http://schemas.openxmlformats.org/officeDocument/2006/relationships" xmlns:p="http://schemas.openxmlformats.org/presentationml/2006/main">
+  <p:cSld>
+    <p:spTree>
+      <p:nvGrpSpPr>
+        <p:cNvPr id="1" name=""/>
+        <p:cNvGrpSpPr/>
+        <p:nvPr/>
+      </p:nvGrpSpPr>
+      <p:grpSpPr>
+        <a:xfrm>
+          <a:off x="0" y="0"/>
+          <a:ext cx="0" cy="0"/>
+          <a:chOff x="0" y="0"/>
+          <a:chExt cx="0" cy="0"/>
+        </a:xfrm>
+      </p:grpSpPr>
+      <p:sp>
+        <p:nvSpPr>
+          <p:cNvPr id="2" name="Slide Image Placeholder 1"/>
+          <p:cNvSpPr>
+            <a:spLocks noGrp="1" noRot="1" noChangeAspect="1"/>
+          </p:cNvSpPr>
+          <p:nvPr>
+            <p:ph type="sldImg"/>
+          </p:nvPr>
+        </p:nvSpPr>
+        <p:spPr/>
+      </p:sp>
+      <p:sp>
+        <p:nvSpPr>
+          <p:cNvPr id="3" name="Notes Placeholder 2"/>
+          <p:cNvSpPr>
+            <a:spLocks noGrp="1"/>
+          </p:cNvSpPr>
+          <p:nvPr>
+            <p:ph type="body" idx="1"/>
+          </p:nvPr>
+        </p:nvSpPr>
+        <p:spPr/>
+        <p:txBody>
+          <a:bodyPr/>
+          <a:lstStyle/>
+          <a:p>
+            <a:endParaRPr lang="en-US" dirty="0"/>
+          </a:p>
+        </p:txBody>
+      </p:sp>
+      <p:sp>
+        <p:nvSpPr>
+          <p:cNvPr id="4" name="Slide Number Placeholder 3"/>
+          <p:cNvSpPr>
+            <a:spLocks noGrp="1"/>
+          </p:cNvSpPr>
+          <p:nvPr>
+            <p:ph type="sldNum" sz="quarter" idx="5"/>
+          </p:nvPr>
+        </p:nvSpPr>
+        <p:spPr/>
+        <p:txBody>
+          <a:bodyPr/>
+          <a:lstStyle/>
+          <a:p>
+            <a:fld id="{346863FE-653D-FF40-9916-FCF7ADBCC8E0}" type="slidenum">
+              <a:rPr lang="en-US" smtClean="0"/>
+              <a:t>2</a:t>
+            </a:fld>
+            <a:endParaRPr lang="en-US"/>
+          </a:p>
+        </p:txBody>
+      </p:sp>
+    </p:spTree>
+    <p:extLst>
+      <p:ext uri="{BB962C8B-B14F-4D97-AF65-F5344CB8AC3E}">
+        <p14:creationId xmlns:p14="http://schemas.microsoft.com/office/powerpoint/2010/main" val="1090075367"/>
+      </p:ext>
+    </p:extLst>
+  </p:cSld>
+  <p:clrMapOvr>
+    <a:masterClrMapping/>
+  </p:clrMapOvr>
+</p:notes>
+</file>
+
+<file path=ppt/notesSlides/notesSlide2.xml><?xml version="1.0" encoding="utf-8"?>
 <p:notes xmlns:a="http://schemas.openxmlformats.org/drawingml/2006/main" xmlns:r="http://schemas.openxmlformats.org/officeDocument/2006/relationships" xmlns:p="http://schemas.openxmlformats.org/presentationml/2006/main">
   <p:cSld>
     <p:spTree>
@@ -4470,6 +4554,53 @@
           </a:p>
         </p:txBody>
       </p:sp>
+      <p:pic>
+        <p:nvPicPr>
+          <p:cNvPr id="2052" name="Picture 4" descr="Mushroom - Super Mario Wiki, the Mario encyclopedia">
+            <a:extLst>
+              <a:ext uri="{FF2B5EF4-FFF2-40B4-BE49-F238E27FC236}">
+                <a16:creationId xmlns:a16="http://schemas.microsoft.com/office/drawing/2014/main" id="{1F2833D1-C63E-42C9-507D-2411EFDB4BC8}"/>
+              </a:ext>
+            </a:extLst>
+          </p:cNvPr>
+          <p:cNvPicPr>
+            <a:picLocks noChangeAspect="1" noChangeArrowheads="1"/>
+          </p:cNvPicPr>
+          <p:nvPr/>
+        </p:nvPicPr>
+        <p:blipFill>
+          <a:blip r:embed="rId3">
+            <a:extLst>
+              <a:ext uri="{28A0092B-C50C-407E-A947-70E740481C1C}">
+                <a14:useLocalDpi xmlns:a14="http://schemas.microsoft.com/office/drawing/2010/main" val="0"/>
+              </a:ext>
+            </a:extLst>
+          </a:blip>
+          <a:srcRect/>
+          <a:stretch>
+            <a:fillRect/>
+          </a:stretch>
+        </p:blipFill>
+        <p:spPr bwMode="auto">
+          <a:xfrm>
+            <a:off x="10831950" y="64353"/>
+            <a:ext cx="1234424" cy="1216271"/>
+          </a:xfrm>
+          <a:prstGeom prst="rect">
+            <a:avLst/>
+          </a:prstGeom>
+          <a:noFill/>
+          <a:extLst>
+            <a:ext uri="{909E8E84-426E-40DD-AFC4-6F175D3DCCD1}">
+              <a14:hiddenFill xmlns:a14="http://schemas.microsoft.com/office/drawing/2010/main">
+                <a:solidFill>
+                  <a:srgbClr val="FFFFFF"/>
+                </a:solidFill>
+              </a14:hiddenFill>
+            </a:ext>
+          </a:extLst>
+        </p:spPr>
+      </p:pic>
     </p:spTree>
     <p:extLst>
       <p:ext uri="{BB962C8B-B14F-4D97-AF65-F5344CB8AC3E}">
@@ -4505,7 +4636,7 @@
           <p:cNvPr id="2" name="Title 1">
             <a:extLst>
               <a:ext uri="{FF2B5EF4-FFF2-40B4-BE49-F238E27FC236}">
-                <a16:creationId xmlns:a16="http://schemas.microsoft.com/office/drawing/2014/main" id="{D2B46087-F1C1-F53A-060C-9C1906CB475D}"/>
+                <a16:creationId xmlns:a16="http://schemas.microsoft.com/office/drawing/2014/main" id="{16260197-9391-619C-D947-E92338CE9270}"/>
               </a:ext>
             </a:extLst>
           </p:cNvPr>
@@ -4516,30 +4647,24 @@
             <p:ph type="title"/>
           </p:nvPr>
         </p:nvSpPr>
-        <p:spPr>
-          <a:xfrm>
-            <a:off x="838200" y="318051"/>
-            <a:ext cx="10515600" cy="1116811"/>
-          </a:xfrm>
-        </p:spPr>
+        <p:spPr/>
         <p:txBody>
           <a:bodyPr/>
           <a:lstStyle/>
           <a:p>
             <a:r>
-              <a:rPr lang="en-US" altLang="zh-CN" dirty="0"/>
-              <a:t>SHAP</a:t>
-            </a:r>
-            <a:endParaRPr lang="en-US" dirty="0"/>
+              <a:rPr lang="en-US" dirty="0"/>
+              <a:t>Local Feature Importance</a:t>
+            </a:r>
           </a:p>
         </p:txBody>
       </p:sp>
       <p:pic>
         <p:nvPicPr>
-          <p:cNvPr id="5" name="Content Placeholder 4" descr="A graph of a bar graph&#10;&#10;Description automatically generated with medium confidence">
+          <p:cNvPr id="5" name="Content Placeholder 4">
             <a:extLst>
               <a:ext uri="{FF2B5EF4-FFF2-40B4-BE49-F238E27FC236}">
-                <a16:creationId xmlns:a16="http://schemas.microsoft.com/office/drawing/2014/main" id="{9005FFFE-D279-E20B-FE7E-717C229D0499}"/>
+                <a16:creationId xmlns:a16="http://schemas.microsoft.com/office/drawing/2014/main" id="{F74C5E67-C196-9D9F-74B2-03FCB3B3749E}"/>
               </a:ext>
             </a:extLst>
           </p:cNvPr>
@@ -4558,15 +4683,164 @@
         </p:blipFill>
         <p:spPr>
           <a:xfrm>
-            <a:off x="838200" y="1434862"/>
-            <a:ext cx="9057532" cy="4992441"/>
+            <a:off x="217712" y="2406442"/>
+            <a:ext cx="11756571" cy="1182317"/>
           </a:xfrm>
+        </p:spPr>
+      </p:pic>
+      <p:pic>
+        <p:nvPicPr>
+          <p:cNvPr id="7" name="Picture 6">
+            <a:extLst>
+              <a:ext uri="{FF2B5EF4-FFF2-40B4-BE49-F238E27FC236}">
+                <a16:creationId xmlns:a16="http://schemas.microsoft.com/office/drawing/2014/main" id="{2A0D546F-B59D-E5A4-9E0E-D8D38D5CD997}"/>
+              </a:ext>
+            </a:extLst>
+          </p:cNvPr>
+          <p:cNvPicPr>
+            <a:picLocks noChangeAspect="1"/>
+          </p:cNvPicPr>
+          <p:nvPr/>
+        </p:nvPicPr>
+        <p:blipFill>
+          <a:blip r:embed="rId3"/>
+          <a:stretch>
+            <a:fillRect/>
+          </a:stretch>
+        </p:blipFill>
+        <p:spPr>
+          <a:xfrm>
+            <a:off x="217712" y="4518632"/>
+            <a:ext cx="11756571" cy="1083170"/>
+          </a:xfrm>
+          <a:prstGeom prst="rect">
+            <a:avLst/>
+          </a:prstGeom>
+        </p:spPr>
+      </p:pic>
+      <p:sp>
+        <p:nvSpPr>
+          <p:cNvPr id="8" name="TextBox 7">
+            <a:extLst>
+              <a:ext uri="{FF2B5EF4-FFF2-40B4-BE49-F238E27FC236}">
+                <a16:creationId xmlns:a16="http://schemas.microsoft.com/office/drawing/2014/main" id="{3B28A124-CBCF-5359-DE6C-608E75008F7E}"/>
+              </a:ext>
+            </a:extLst>
+          </p:cNvPr>
+          <p:cNvSpPr txBox="1"/>
+          <p:nvPr/>
+        </p:nvSpPr>
+        <p:spPr>
+          <a:xfrm>
+            <a:off x="217712" y="2028531"/>
+            <a:ext cx="1881052" cy="369332"/>
+          </a:xfrm>
+          <a:prstGeom prst="rect">
+            <a:avLst/>
+          </a:prstGeom>
+          <a:noFill/>
+        </p:spPr>
+        <p:txBody>
+          <a:bodyPr wrap="square" rtlCol="0">
+            <a:spAutoFit/>
+          </a:bodyPr>
+          <a:lstStyle/>
+          <a:p>
+            <a:r>
+              <a:rPr lang="en-US" altLang="zh-CN" dirty="0"/>
+              <a:t>Index=0</a:t>
+            </a:r>
+            <a:endParaRPr lang="en-US" dirty="0"/>
+          </a:p>
+        </p:txBody>
+      </p:sp>
+      <p:sp>
+        <p:nvSpPr>
+          <p:cNvPr id="9" name="TextBox 8">
+            <a:extLst>
+              <a:ext uri="{FF2B5EF4-FFF2-40B4-BE49-F238E27FC236}">
+                <a16:creationId xmlns:a16="http://schemas.microsoft.com/office/drawing/2014/main" id="{F3BFEA7B-E112-8770-4B20-9D4329CF01A3}"/>
+              </a:ext>
+            </a:extLst>
+          </p:cNvPr>
+          <p:cNvSpPr txBox="1"/>
+          <p:nvPr/>
+        </p:nvSpPr>
+        <p:spPr>
+          <a:xfrm>
+            <a:off x="217712" y="4149300"/>
+            <a:ext cx="2238105" cy="369332"/>
+          </a:xfrm>
+          <a:prstGeom prst="rect">
+            <a:avLst/>
+          </a:prstGeom>
+          <a:noFill/>
+        </p:spPr>
+        <p:txBody>
+          <a:bodyPr wrap="square" rtlCol="0">
+            <a:spAutoFit/>
+          </a:bodyPr>
+          <a:lstStyle/>
+          <a:p>
+            <a:r>
+              <a:rPr lang="en-US" altLang="zh-CN" dirty="0"/>
+              <a:t>Index=99</a:t>
+            </a:r>
+            <a:endParaRPr lang="en-US" dirty="0"/>
+          </a:p>
+        </p:txBody>
+      </p:sp>
+      <p:pic>
+        <p:nvPicPr>
+          <p:cNvPr id="10" name="Picture 9" descr="Mushroom - Super Mario Wiki, the Mario encyclopedia">
+            <a:extLst>
+              <a:ext uri="{FF2B5EF4-FFF2-40B4-BE49-F238E27FC236}">
+                <a16:creationId xmlns:a16="http://schemas.microsoft.com/office/drawing/2014/main" id="{332386D5-6489-4459-EC6D-7B4E04FE348F}"/>
+              </a:ext>
+            </a:extLst>
+          </p:cNvPr>
+          <p:cNvPicPr>
+            <a:picLocks noChangeAspect="1" noChangeArrowheads="1"/>
+          </p:cNvPicPr>
+          <p:nvPr/>
+        </p:nvPicPr>
+        <p:blipFill>
+          <a:blip r:embed="rId4">
+            <a:extLst>
+              <a:ext uri="{28A0092B-C50C-407E-A947-70E740481C1C}">
+                <a14:useLocalDpi xmlns:a14="http://schemas.microsoft.com/office/drawing/2010/main" val="0"/>
+              </a:ext>
+            </a:extLst>
+          </a:blip>
+          <a:srcRect/>
+          <a:stretch>
+            <a:fillRect/>
+          </a:stretch>
+        </p:blipFill>
+        <p:spPr bwMode="auto">
+          <a:xfrm>
+            <a:off x="10821065" y="73594"/>
+            <a:ext cx="1234424" cy="1216271"/>
+          </a:xfrm>
+          <a:prstGeom prst="rect">
+            <a:avLst/>
+          </a:prstGeom>
+          <a:noFill/>
+          <a:extLst>
+            <a:ext uri="{909E8E84-426E-40DD-AFC4-6F175D3DCCD1}">
+              <a14:hiddenFill xmlns:a14="http://schemas.microsoft.com/office/drawing/2010/main">
+                <a:solidFill>
+                  <a:srgbClr val="FFFFFF"/>
+                </a:solidFill>
+              </a14:hiddenFill>
+            </a:ext>
+          </a:extLst>
         </p:spPr>
       </p:pic>
     </p:spTree>
     <p:extLst>
       <p:ext uri="{BB962C8B-B14F-4D97-AF65-F5344CB8AC3E}">
-        <p14:creationId xmlns:p14="http://schemas.microsoft.com/office/powerpoint/2010/main" val="3964359980"/>
+        <p14:creationId xmlns:p14="http://schemas.microsoft.com/office/powerpoint/2010/main" val="1530587139"/>
       </p:ext>
     </p:extLst>
   </p:cSld>
@@ -4598,195 +4872,6 @@
           <p:cNvPr id="2" name="Title 1">
             <a:extLst>
               <a:ext uri="{FF2B5EF4-FFF2-40B4-BE49-F238E27FC236}">
-                <a16:creationId xmlns:a16="http://schemas.microsoft.com/office/drawing/2014/main" id="{16260197-9391-619C-D947-E92338CE9270}"/>
-              </a:ext>
-            </a:extLst>
-          </p:cNvPr>
-          <p:cNvSpPr>
-            <a:spLocks noGrp="1"/>
-          </p:cNvSpPr>
-          <p:nvPr>
-            <p:ph type="title"/>
-          </p:nvPr>
-        </p:nvSpPr>
-        <p:spPr/>
-        <p:txBody>
-          <a:bodyPr/>
-          <a:lstStyle/>
-          <a:p>
-            <a:r>
-              <a:rPr lang="en-US" dirty="0"/>
-              <a:t>Local Feature Importance</a:t>
-            </a:r>
-          </a:p>
-        </p:txBody>
-      </p:sp>
-      <p:pic>
-        <p:nvPicPr>
-          <p:cNvPr id="5" name="Content Placeholder 4">
-            <a:extLst>
-              <a:ext uri="{FF2B5EF4-FFF2-40B4-BE49-F238E27FC236}">
-                <a16:creationId xmlns:a16="http://schemas.microsoft.com/office/drawing/2014/main" id="{F74C5E67-C196-9D9F-74B2-03FCB3B3749E}"/>
-              </a:ext>
-            </a:extLst>
-          </p:cNvPr>
-          <p:cNvPicPr>
-            <a:picLocks noGrp="1" noChangeAspect="1"/>
-          </p:cNvPicPr>
-          <p:nvPr>
-            <p:ph idx="1"/>
-          </p:nvPr>
-        </p:nvPicPr>
-        <p:blipFill>
-          <a:blip r:embed="rId2"/>
-          <a:stretch>
-            <a:fillRect/>
-          </a:stretch>
-        </p:blipFill>
-        <p:spPr>
-          <a:xfrm>
-            <a:off x="217712" y="2406442"/>
-            <a:ext cx="11756571" cy="1182317"/>
-          </a:xfrm>
-        </p:spPr>
-      </p:pic>
-      <p:pic>
-        <p:nvPicPr>
-          <p:cNvPr id="7" name="Picture 6">
-            <a:extLst>
-              <a:ext uri="{FF2B5EF4-FFF2-40B4-BE49-F238E27FC236}">
-                <a16:creationId xmlns:a16="http://schemas.microsoft.com/office/drawing/2014/main" id="{2A0D546F-B59D-E5A4-9E0E-D8D38D5CD997}"/>
-              </a:ext>
-            </a:extLst>
-          </p:cNvPr>
-          <p:cNvPicPr>
-            <a:picLocks noChangeAspect="1"/>
-          </p:cNvPicPr>
-          <p:nvPr/>
-        </p:nvPicPr>
-        <p:blipFill>
-          <a:blip r:embed="rId3"/>
-          <a:stretch>
-            <a:fillRect/>
-          </a:stretch>
-        </p:blipFill>
-        <p:spPr>
-          <a:xfrm>
-            <a:off x="217712" y="4518632"/>
-            <a:ext cx="11756571" cy="1083170"/>
-          </a:xfrm>
-          <a:prstGeom prst="rect">
-            <a:avLst/>
-          </a:prstGeom>
-        </p:spPr>
-      </p:pic>
-      <p:sp>
-        <p:nvSpPr>
-          <p:cNvPr id="8" name="TextBox 7">
-            <a:extLst>
-              <a:ext uri="{FF2B5EF4-FFF2-40B4-BE49-F238E27FC236}">
-                <a16:creationId xmlns:a16="http://schemas.microsoft.com/office/drawing/2014/main" id="{3B28A124-CBCF-5359-DE6C-608E75008F7E}"/>
-              </a:ext>
-            </a:extLst>
-          </p:cNvPr>
-          <p:cNvSpPr txBox="1"/>
-          <p:nvPr/>
-        </p:nvSpPr>
-        <p:spPr>
-          <a:xfrm>
-            <a:off x="217712" y="1952462"/>
-            <a:ext cx="1881052" cy="369332"/>
-          </a:xfrm>
-          <a:prstGeom prst="rect">
-            <a:avLst/>
-          </a:prstGeom>
-          <a:noFill/>
-        </p:spPr>
-        <p:txBody>
-          <a:bodyPr wrap="square" rtlCol="0">
-            <a:spAutoFit/>
-          </a:bodyPr>
-          <a:lstStyle/>
-          <a:p>
-            <a:r>
-              <a:rPr lang="en-US" altLang="zh-CN" dirty="0"/>
-              <a:t>Index=0</a:t>
-            </a:r>
-            <a:endParaRPr lang="en-US" dirty="0"/>
-          </a:p>
-        </p:txBody>
-      </p:sp>
-      <p:sp>
-        <p:nvSpPr>
-          <p:cNvPr id="9" name="TextBox 8">
-            <a:extLst>
-              <a:ext uri="{FF2B5EF4-FFF2-40B4-BE49-F238E27FC236}">
-                <a16:creationId xmlns:a16="http://schemas.microsoft.com/office/drawing/2014/main" id="{F3BFEA7B-E112-8770-4B20-9D4329CF01A3}"/>
-              </a:ext>
-            </a:extLst>
-          </p:cNvPr>
-          <p:cNvSpPr txBox="1"/>
-          <p:nvPr/>
-        </p:nvSpPr>
-        <p:spPr>
-          <a:xfrm>
-            <a:off x="217712" y="4149300"/>
-            <a:ext cx="2238105" cy="369332"/>
-          </a:xfrm>
-          <a:prstGeom prst="rect">
-            <a:avLst/>
-          </a:prstGeom>
-          <a:noFill/>
-        </p:spPr>
-        <p:txBody>
-          <a:bodyPr wrap="square" rtlCol="0">
-            <a:spAutoFit/>
-          </a:bodyPr>
-          <a:lstStyle/>
-          <a:p>
-            <a:r>
-              <a:rPr lang="en-US" altLang="zh-CN" dirty="0"/>
-              <a:t>Index=99</a:t>
-            </a:r>
-            <a:endParaRPr lang="en-US" dirty="0"/>
-          </a:p>
-        </p:txBody>
-      </p:sp>
-    </p:spTree>
-    <p:extLst>
-      <p:ext uri="{BB962C8B-B14F-4D97-AF65-F5344CB8AC3E}">
-        <p14:creationId xmlns:p14="http://schemas.microsoft.com/office/powerpoint/2010/main" val="1530587139"/>
-      </p:ext>
-    </p:extLst>
-  </p:cSld>
-  <p:clrMapOvr>
-    <a:masterClrMapping/>
-  </p:clrMapOvr>
-</p:sld>
-</file>
-
-<file path=ppt/slides/slide12.xml><?xml version="1.0" encoding="utf-8"?>
-<p:sld xmlns:a="http://schemas.openxmlformats.org/drawingml/2006/main" xmlns:r="http://schemas.openxmlformats.org/officeDocument/2006/relationships" xmlns:p="http://schemas.openxmlformats.org/presentationml/2006/main">
-  <p:cSld>
-    <p:spTree>
-      <p:nvGrpSpPr>
-        <p:cNvPr id="1" name=""/>
-        <p:cNvGrpSpPr/>
-        <p:nvPr/>
-      </p:nvGrpSpPr>
-      <p:grpSpPr>
-        <a:xfrm>
-          <a:off x="0" y="0"/>
-          <a:ext cx="0" cy="0"/>
-          <a:chOff x="0" y="0"/>
-          <a:chExt cx="0" cy="0"/>
-        </a:xfrm>
-      </p:grpSpPr>
-      <p:sp>
-        <p:nvSpPr>
-          <p:cNvPr id="2" name="Title 1">
-            <a:extLst>
-              <a:ext uri="{FF2B5EF4-FFF2-40B4-BE49-F238E27FC236}">
                 <a16:creationId xmlns:a16="http://schemas.microsoft.com/office/drawing/2014/main" id="{B3CCAFD6-9FFC-DDB6-EECB-EE5AF08D58A1}"/>
               </a:ext>
             </a:extLst>
@@ -4943,6 +5028,53 @@
           </a:p>
         </p:txBody>
       </p:sp>
+      <p:pic>
+        <p:nvPicPr>
+          <p:cNvPr id="5" name="Picture 4" descr="Mushroom - Super Mario Wiki, the Mario encyclopedia">
+            <a:extLst>
+              <a:ext uri="{FF2B5EF4-FFF2-40B4-BE49-F238E27FC236}">
+                <a16:creationId xmlns:a16="http://schemas.microsoft.com/office/drawing/2014/main" id="{0922DE71-912B-2C72-003F-53D8FFFB208E}"/>
+              </a:ext>
+            </a:extLst>
+          </p:cNvPr>
+          <p:cNvPicPr>
+            <a:picLocks noChangeAspect="1" noChangeArrowheads="1"/>
+          </p:cNvPicPr>
+          <p:nvPr/>
+        </p:nvPicPr>
+        <p:blipFill>
+          <a:blip r:embed="rId2">
+            <a:extLst>
+              <a:ext uri="{28A0092B-C50C-407E-A947-70E740481C1C}">
+                <a14:useLocalDpi xmlns:a14="http://schemas.microsoft.com/office/drawing/2010/main" val="0"/>
+              </a:ext>
+            </a:extLst>
+          </a:blip>
+          <a:srcRect/>
+          <a:stretch>
+            <a:fillRect/>
+          </a:stretch>
+        </p:blipFill>
+        <p:spPr bwMode="auto">
+          <a:xfrm>
+            <a:off x="10821065" y="73594"/>
+            <a:ext cx="1234424" cy="1216271"/>
+          </a:xfrm>
+          <a:prstGeom prst="rect">
+            <a:avLst/>
+          </a:prstGeom>
+          <a:noFill/>
+          <a:extLst>
+            <a:ext uri="{909E8E84-426E-40DD-AFC4-6F175D3DCCD1}">
+              <a14:hiddenFill xmlns:a14="http://schemas.microsoft.com/office/drawing/2010/main">
+                <a:solidFill>
+                  <a:srgbClr val="FFFFFF"/>
+                </a:solidFill>
+              </a14:hiddenFill>
+            </a:ext>
+          </a:extLst>
+        </p:spPr>
+      </p:pic>
     </p:spTree>
     <p:extLst>
       <p:ext uri="{BB962C8B-B14F-4D97-AF65-F5344CB8AC3E}">
@@ -4956,7 +5088,7 @@
 </p:sld>
 </file>
 
-<file path=ppt/slides/slide13.xml><?xml version="1.0" encoding="utf-8"?>
+<file path=ppt/slides/slide12.xml><?xml version="1.0" encoding="utf-8"?>
 <p:sld xmlns:a="http://schemas.openxmlformats.org/drawingml/2006/main" xmlns:r="http://schemas.openxmlformats.org/officeDocument/2006/relationships" xmlns:p="http://schemas.openxmlformats.org/presentationml/2006/main">
   <p:cSld>
     <p:spTree>
@@ -5101,7 +5233,7 @@
 </p:sld>
 </file>
 
-<file path=ppt/slides/slide14.xml><?xml version="1.0" encoding="utf-8"?>
+<file path=ppt/slides/slide13.xml><?xml version="1.0" encoding="utf-8"?>
 <p:sld xmlns:a="http://schemas.openxmlformats.org/drawingml/2006/main" xmlns:r="http://schemas.openxmlformats.org/officeDocument/2006/relationships" xmlns:p="http://schemas.openxmlformats.org/presentationml/2006/main" show="0">
   <p:cSld>
     <p:spTree>
@@ -5132,7 +5264,7 @@
         </p:nvGrpSpPr>
         <p:grpSpPr>
           <a:xfrm>
-            <a:off x="-2341040" y="815807"/>
+            <a:off x="-1033235" y="815807"/>
             <a:ext cx="13225235" cy="5226386"/>
             <a:chOff x="-2341040" y="815807"/>
             <a:chExt cx="13225235" cy="5226386"/>
@@ -7703,7 +7835,7 @@
 </p:sld>
 </file>
 
-<file path=ppt/slides/slide15.xml><?xml version="1.0" encoding="utf-8"?>
+<file path=ppt/slides/slide14.xml><?xml version="1.0" encoding="utf-8"?>
 <p:sld xmlns:a="http://schemas.openxmlformats.org/drawingml/2006/main" xmlns:r="http://schemas.openxmlformats.org/officeDocument/2006/relationships" xmlns:p="http://schemas.openxmlformats.org/presentationml/2006/main">
   <p:cSld>
     <p:spTree>
@@ -7812,6 +7944,99 @@
     <p:extLst>
       <p:ext uri="{BB962C8B-B14F-4D97-AF65-F5344CB8AC3E}">
         <p14:creationId xmlns:p14="http://schemas.microsoft.com/office/powerpoint/2010/main" val="1208654433"/>
+      </p:ext>
+    </p:extLst>
+  </p:cSld>
+  <p:clrMapOvr>
+    <a:masterClrMapping/>
+  </p:clrMapOvr>
+</p:sld>
+</file>
+
+<file path=ppt/slides/slide15.xml><?xml version="1.0" encoding="utf-8"?>
+<p:sld xmlns:a="http://schemas.openxmlformats.org/drawingml/2006/main" xmlns:r="http://schemas.openxmlformats.org/officeDocument/2006/relationships" xmlns:p="http://schemas.openxmlformats.org/presentationml/2006/main">
+  <p:cSld>
+    <p:spTree>
+      <p:nvGrpSpPr>
+        <p:cNvPr id="1" name=""/>
+        <p:cNvGrpSpPr/>
+        <p:nvPr/>
+      </p:nvGrpSpPr>
+      <p:grpSpPr>
+        <a:xfrm>
+          <a:off x="0" y="0"/>
+          <a:ext cx="0" cy="0"/>
+          <a:chOff x="0" y="0"/>
+          <a:chExt cx="0" cy="0"/>
+        </a:xfrm>
+      </p:grpSpPr>
+      <p:sp>
+        <p:nvSpPr>
+          <p:cNvPr id="2" name="Title 1">
+            <a:extLst>
+              <a:ext uri="{FF2B5EF4-FFF2-40B4-BE49-F238E27FC236}">
+                <a16:creationId xmlns:a16="http://schemas.microsoft.com/office/drawing/2014/main" id="{D2B46087-F1C1-F53A-060C-9C1906CB475D}"/>
+              </a:ext>
+            </a:extLst>
+          </p:cNvPr>
+          <p:cNvSpPr>
+            <a:spLocks noGrp="1"/>
+          </p:cNvSpPr>
+          <p:nvPr>
+            <p:ph type="title"/>
+          </p:nvPr>
+        </p:nvSpPr>
+        <p:spPr>
+          <a:xfrm>
+            <a:off x="838200" y="318051"/>
+            <a:ext cx="10515600" cy="1116811"/>
+          </a:xfrm>
+        </p:spPr>
+        <p:txBody>
+          <a:bodyPr/>
+          <a:lstStyle/>
+          <a:p>
+            <a:r>
+              <a:rPr lang="en-US" altLang="zh-CN" dirty="0"/>
+              <a:t>SHAP</a:t>
+            </a:r>
+            <a:endParaRPr lang="en-US" dirty="0"/>
+          </a:p>
+        </p:txBody>
+      </p:sp>
+      <p:pic>
+        <p:nvPicPr>
+          <p:cNvPr id="5" name="Content Placeholder 4" descr="A graph of a bar graph&#10;&#10;Description automatically generated with medium confidence">
+            <a:extLst>
+              <a:ext uri="{FF2B5EF4-FFF2-40B4-BE49-F238E27FC236}">
+                <a16:creationId xmlns:a16="http://schemas.microsoft.com/office/drawing/2014/main" id="{9005FFFE-D279-E20B-FE7E-717C229D0499}"/>
+              </a:ext>
+            </a:extLst>
+          </p:cNvPr>
+          <p:cNvPicPr>
+            <a:picLocks noGrp="1" noChangeAspect="1"/>
+          </p:cNvPicPr>
+          <p:nvPr>
+            <p:ph idx="1"/>
+          </p:nvPr>
+        </p:nvPicPr>
+        <p:blipFill>
+          <a:blip r:embed="rId2"/>
+          <a:stretch>
+            <a:fillRect/>
+          </a:stretch>
+        </p:blipFill>
+        <p:spPr>
+          <a:xfrm>
+            <a:off x="838200" y="1434862"/>
+            <a:ext cx="9057532" cy="4992441"/>
+          </a:xfrm>
+        </p:spPr>
+      </p:pic>
+    </p:spTree>
+    <p:extLst>
+      <p:ext uri="{BB962C8B-B14F-4D97-AF65-F5344CB8AC3E}">
+        <p14:creationId xmlns:p14="http://schemas.microsoft.com/office/powerpoint/2010/main" val="3964359980"/>
       </p:ext>
     </p:extLst>
   </p:cSld>
@@ -8366,7 +8591,7 @@
           <p:nvPr/>
         </p:nvPicPr>
         <p:blipFill>
-          <a:blip r:embed="rId2"/>
+          <a:blip r:embed="rId3"/>
           <a:stretch>
             <a:fillRect/>
           </a:stretch>
@@ -8396,7 +8621,7 @@
           <p:nvPr/>
         </p:nvPicPr>
         <p:blipFill>
-          <a:blip r:embed="rId3"/>
+          <a:blip r:embed="rId4"/>
           <a:stretch>
             <a:fillRect/>
           </a:stretch>
@@ -8426,7 +8651,7 @@
           <p:nvPr/>
         </p:nvPicPr>
         <p:blipFill>
-          <a:blip r:embed="rId4"/>
+          <a:blip r:embed="rId5"/>
           <a:stretch>
             <a:fillRect/>
           </a:stretch>
@@ -8439,6 +8664,53 @@
           <a:prstGeom prst="rect">
             <a:avLst/>
           </a:prstGeom>
+        </p:spPr>
+      </p:pic>
+      <p:pic>
+        <p:nvPicPr>
+          <p:cNvPr id="9" name="Picture 4" descr="Mushroom - Super Mario Wiki, the Mario encyclopedia">
+            <a:extLst>
+              <a:ext uri="{FF2B5EF4-FFF2-40B4-BE49-F238E27FC236}">
+                <a16:creationId xmlns:a16="http://schemas.microsoft.com/office/drawing/2014/main" id="{6646D49E-B76C-0567-E32A-07BD204C2838}"/>
+              </a:ext>
+            </a:extLst>
+          </p:cNvPr>
+          <p:cNvPicPr>
+            <a:picLocks noChangeAspect="1" noChangeArrowheads="1"/>
+          </p:cNvPicPr>
+          <p:nvPr/>
+        </p:nvPicPr>
+        <p:blipFill>
+          <a:blip r:embed="rId6">
+            <a:extLst>
+              <a:ext uri="{28A0092B-C50C-407E-A947-70E740481C1C}">
+                <a14:useLocalDpi xmlns:a14="http://schemas.microsoft.com/office/drawing/2010/main" val="0"/>
+              </a:ext>
+            </a:extLst>
+          </a:blip>
+          <a:srcRect/>
+          <a:stretch>
+            <a:fillRect/>
+          </a:stretch>
+        </p:blipFill>
+        <p:spPr bwMode="auto">
+          <a:xfrm>
+            <a:off x="10853721" y="75943"/>
+            <a:ext cx="1234424" cy="1216271"/>
+          </a:xfrm>
+          <a:prstGeom prst="rect">
+            <a:avLst/>
+          </a:prstGeom>
+          <a:noFill/>
+          <a:extLst>
+            <a:ext uri="{909E8E84-426E-40DD-AFC4-6F175D3DCCD1}">
+              <a14:hiddenFill xmlns:a14="http://schemas.microsoft.com/office/drawing/2010/main">
+                <a:solidFill>
+                  <a:srgbClr val="FFFFFF"/>
+                </a:solidFill>
+              </a14:hiddenFill>
+            </a:ext>
+          </a:extLst>
         </p:spPr>
       </p:pic>
     </p:spTree>
@@ -8494,15 +8766,7 @@
           <a:p>
             <a:r>
               <a:rPr lang="en-US" altLang="zh-CN" dirty="0"/>
-              <a:t>Cross</a:t>
-            </a:r>
-            <a:r>
-              <a:rPr lang="zh-CN" altLang="en-US" dirty="0"/>
-              <a:t> </a:t>
-            </a:r>
-            <a:r>
-              <a:rPr lang="en-US" altLang="zh-CN" dirty="0"/>
-              <a:t>validation</a:t>
+              <a:t>Splitting</a:t>
             </a:r>
             <a:endParaRPr lang="en-US" dirty="0"/>
           </a:p>
@@ -8530,295 +8794,335 @@
           <a:lstStyle/>
           <a:p>
             <a:r>
-              <a:rPr lang="en-US" altLang="zh-CN" b="1" u="sng" dirty="0"/>
+              <a:rPr lang="en-US" altLang="zh-CN" b="1" u="sng"/>
               <a:t>Data</a:t>
             </a:r>
             <a:r>
-              <a:rPr lang="zh-CN" altLang="en-US" b="1" u="sng" dirty="0"/>
-              <a:t> </a:t>
-            </a:r>
-            <a:r>
-              <a:rPr lang="en-US" altLang="zh-CN" b="1" u="sng" dirty="0"/>
+              <a:rPr lang="zh-CN" altLang="en-US" b="1" u="sng"/>
+              <a:t> </a:t>
+            </a:r>
+            <a:r>
+              <a:rPr lang="en-US" altLang="zh-CN" b="1" u="sng"/>
               <a:t>Splitting:</a:t>
             </a:r>
             <a:r>
-              <a:rPr lang="zh-CN" altLang="en-US" b="1" u="sng" dirty="0"/>
+              <a:rPr lang="zh-CN" altLang="en-US" b="1" u="sng"/>
               <a:t>  </a:t>
             </a:r>
             <a:r>
-              <a:rPr lang="en-US" altLang="zh-CN" dirty="0"/>
+              <a:rPr lang="en-US" altLang="zh-CN"/>
               <a:t>use</a:t>
             </a:r>
             <a:r>
-              <a:rPr lang="zh-CN" altLang="en-US" dirty="0"/>
-              <a:t> </a:t>
-            </a:r>
-            <a:r>
-              <a:rPr lang="en-US" altLang="zh-CN" dirty="0"/>
-              <a:t>general </a:t>
-            </a:r>
-            <a:r>
-              <a:rPr lang="en-US" altLang="zh-CN" dirty="0" err="1"/>
-              <a:t>train_test_split</a:t>
-            </a:r>
-            <a:r>
-              <a:rPr lang="en-US" altLang="zh-CN" dirty="0"/>
-              <a:t> to set 20% of the dataset as test set and the rest 80% as other</a:t>
-            </a:r>
-            <a:r>
-              <a:rPr lang="zh-CN" altLang="en-US" dirty="0"/>
-              <a:t> </a:t>
-            </a:r>
-            <a:r>
-              <a:rPr lang="en-US" altLang="zh-CN" dirty="0"/>
+              <a:rPr lang="zh-CN" altLang="en-US"/>
+              <a:t> </a:t>
+            </a:r>
+            <a:r>
+              <a:rPr lang="en-US" altLang="zh-CN"/>
+              <a:t>general train_test_split to set 20% of the dataset as test set and the rest 80% as other</a:t>
+            </a:r>
+            <a:r>
+              <a:rPr lang="zh-CN" altLang="en-US"/>
+              <a:t> </a:t>
+            </a:r>
+            <a:r>
+              <a:rPr lang="en-US" altLang="zh-CN"/>
               <a:t>set,</a:t>
             </a:r>
             <a:r>
-              <a:rPr lang="zh-CN" altLang="en-US" dirty="0"/>
-              <a:t> </a:t>
-            </a:r>
-            <a:r>
-              <a:rPr lang="en-US" altLang="zh-CN" dirty="0"/>
+              <a:rPr lang="zh-CN" altLang="en-US"/>
+              <a:t> </a:t>
+            </a:r>
+            <a:r>
+              <a:rPr lang="en-US" altLang="zh-CN"/>
               <a:t>then</a:t>
             </a:r>
             <a:r>
-              <a:rPr lang="zh-CN" altLang="en-US" dirty="0"/>
-              <a:t> </a:t>
-            </a:r>
-            <a:r>
-              <a:rPr lang="en-US" altLang="zh-CN" dirty="0"/>
+              <a:rPr lang="zh-CN" altLang="en-US"/>
+              <a:t> </a:t>
+            </a:r>
+            <a:r>
+              <a:rPr lang="en-US" altLang="zh-CN"/>
               <a:t>use</a:t>
             </a:r>
             <a:r>
-              <a:rPr lang="zh-CN" altLang="en-US" dirty="0"/>
-              <a:t> </a:t>
-            </a:r>
-            <a:r>
-              <a:rPr lang="en-US" altLang="zh-CN" dirty="0" err="1"/>
+              <a:rPr lang="zh-CN" altLang="en-US"/>
+              <a:t> </a:t>
+            </a:r>
+            <a:r>
+              <a:rPr lang="en-US" altLang="zh-CN"/>
               <a:t>Kfold</a:t>
             </a:r>
             <a:r>
-              <a:rPr lang="zh-CN" altLang="en-US" dirty="0"/>
-              <a:t> </a:t>
-            </a:r>
-            <a:r>
-              <a:rPr lang="en-US" altLang="zh-CN" dirty="0"/>
+              <a:rPr lang="zh-CN" altLang="en-US"/>
+              <a:t> </a:t>
+            </a:r>
+            <a:r>
+              <a:rPr lang="en-US" altLang="zh-CN"/>
               <a:t>with</a:t>
             </a:r>
             <a:r>
-              <a:rPr lang="zh-CN" altLang="en-US" dirty="0"/>
-              <a:t> </a:t>
-            </a:r>
-            <a:r>
-              <a:rPr lang="en-US" altLang="zh-CN" dirty="0"/>
+              <a:rPr lang="zh-CN" altLang="en-US"/>
+              <a:t> </a:t>
+            </a:r>
+            <a:r>
+              <a:rPr lang="en-US" altLang="zh-CN"/>
               <a:t>4</a:t>
             </a:r>
             <a:r>
-              <a:rPr lang="zh-CN" altLang="en-US" dirty="0"/>
-              <a:t> </a:t>
-            </a:r>
-            <a:r>
-              <a:rPr lang="en-US" altLang="zh-CN" dirty="0"/>
+              <a:rPr lang="zh-CN" altLang="en-US"/>
+              <a:t> </a:t>
+            </a:r>
+            <a:r>
+              <a:rPr lang="en-US" altLang="zh-CN"/>
               <a:t>splits</a:t>
             </a:r>
             <a:r>
-              <a:rPr lang="zh-CN" altLang="en-US" dirty="0"/>
-              <a:t> </a:t>
-            </a:r>
-            <a:r>
-              <a:rPr lang="en-US" altLang="zh-CN" dirty="0"/>
+              <a:rPr lang="zh-CN" altLang="en-US"/>
+              <a:t> </a:t>
+            </a:r>
+            <a:r>
+              <a:rPr lang="en-US" altLang="zh-CN"/>
               <a:t>for</a:t>
             </a:r>
             <a:r>
-              <a:rPr lang="zh-CN" altLang="en-US" dirty="0"/>
-              <a:t> </a:t>
-            </a:r>
-            <a:r>
-              <a:rPr lang="en-US" altLang="zh-CN" dirty="0"/>
+              <a:rPr lang="zh-CN" altLang="en-US"/>
+              <a:t> </a:t>
+            </a:r>
+            <a:r>
+              <a:rPr lang="en-US" altLang="zh-CN"/>
               <a:t>Cross</a:t>
             </a:r>
             <a:r>
-              <a:rPr lang="zh-CN" altLang="en-US" dirty="0"/>
-              <a:t> </a:t>
-            </a:r>
-            <a:r>
-              <a:rPr lang="en-US" altLang="zh-CN" dirty="0"/>
+              <a:rPr lang="zh-CN" altLang="en-US"/>
+              <a:t> </a:t>
+            </a:r>
+            <a:r>
+              <a:rPr lang="en-US" altLang="zh-CN"/>
               <a:t>Validation.</a:t>
             </a:r>
           </a:p>
           <a:p>
             <a:r>
-              <a:rPr lang="en-US" altLang="zh-CN" b="1" u="sng" dirty="0"/>
+              <a:rPr lang="en-US" altLang="zh-CN" b="1" u="sng"/>
               <a:t>Preprocessor:</a:t>
             </a:r>
             <a:r>
-              <a:rPr lang="zh-CN" altLang="en-US" dirty="0"/>
-              <a:t> </a:t>
-            </a:r>
-            <a:r>
-              <a:rPr lang="en-US" altLang="zh-CN" dirty="0"/>
+              <a:rPr lang="zh-CN" altLang="en-US"/>
+              <a:t> </a:t>
+            </a:r>
+            <a:r>
+              <a:rPr lang="en-US" altLang="zh-CN"/>
               <a:t>Standard</a:t>
             </a:r>
             <a:r>
-              <a:rPr lang="zh-CN" altLang="en-US" dirty="0"/>
-              <a:t> </a:t>
-            </a:r>
-            <a:r>
-              <a:rPr lang="en-US" altLang="zh-CN" dirty="0"/>
+              <a:rPr lang="zh-CN" altLang="en-US"/>
+              <a:t> </a:t>
+            </a:r>
+            <a:r>
+              <a:rPr lang="en-US" altLang="zh-CN"/>
               <a:t>Scalar</a:t>
             </a:r>
             <a:r>
-              <a:rPr lang="zh-CN" altLang="en-US" dirty="0"/>
-              <a:t> </a:t>
-            </a:r>
-            <a:r>
-              <a:rPr lang="en-US" altLang="zh-CN" dirty="0"/>
+              <a:rPr lang="zh-CN" altLang="en-US"/>
+              <a:t> </a:t>
+            </a:r>
+            <a:r>
+              <a:rPr lang="en-US" altLang="zh-CN"/>
               <a:t>&amp;</a:t>
             </a:r>
             <a:r>
-              <a:rPr lang="zh-CN" altLang="en-US" dirty="0"/>
-              <a:t> </a:t>
-            </a:r>
-            <a:r>
-              <a:rPr lang="en-US" altLang="zh-CN" dirty="0" err="1"/>
+              <a:rPr lang="zh-CN" altLang="en-US"/>
+              <a:t> </a:t>
+            </a:r>
+            <a:r>
+              <a:rPr lang="en-US" altLang="zh-CN"/>
               <a:t>onehot</a:t>
             </a:r>
             <a:r>
-              <a:rPr lang="zh-CN" altLang="en-US" dirty="0"/>
-              <a:t> </a:t>
-            </a:r>
-            <a:r>
-              <a:rPr lang="en-US" altLang="zh-CN" dirty="0"/>
+              <a:rPr lang="zh-CN" altLang="en-US"/>
+              <a:t> </a:t>
+            </a:r>
+            <a:r>
+              <a:rPr lang="en-US" altLang="zh-CN"/>
               <a:t>encoder</a:t>
             </a:r>
           </a:p>
           <a:p>
             <a:r>
-              <a:rPr lang="en-US" altLang="zh-CN" b="1" u="sng" dirty="0"/>
+              <a:rPr lang="en-US" altLang="zh-CN" b="1" u="sng"/>
               <a:t>Chosen</a:t>
             </a:r>
             <a:r>
-              <a:rPr lang="zh-CN" altLang="en-US" b="1" u="sng" dirty="0"/>
-              <a:t> </a:t>
-            </a:r>
-            <a:r>
-              <a:rPr lang="en-US" altLang="zh-CN" b="1" u="sng" dirty="0"/>
+              <a:rPr lang="zh-CN" altLang="en-US" b="1" u="sng"/>
+              <a:t> </a:t>
+            </a:r>
+            <a:r>
+              <a:rPr lang="en-US" altLang="zh-CN" b="1" u="sng"/>
               <a:t>Models:</a:t>
             </a:r>
             <a:r>
-              <a:rPr lang="zh-CN" altLang="en-US" b="1" u="sng" dirty="0"/>
+              <a:rPr lang="zh-CN" altLang="en-US" b="1" u="sng"/>
               <a:t> </a:t>
             </a:r>
             <a:br>
-              <a:rPr lang="en-US" altLang="zh-CN" dirty="0"/>
+              <a:rPr lang="en-US" altLang="zh-CN"/>
             </a:br>
             <a:r>
-              <a:rPr lang="en-US" altLang="zh-CN" dirty="0"/>
+              <a:rPr lang="en-US" altLang="zh-CN"/>
               <a:t>1.</a:t>
             </a:r>
             <a:r>
-              <a:rPr lang="zh-CN" altLang="en-US" dirty="0"/>
-              <a:t> </a:t>
-            </a:r>
-            <a:r>
-              <a:rPr lang="en-US" altLang="zh-CN" dirty="0"/>
+              <a:rPr lang="zh-CN" altLang="en-US"/>
+              <a:t> </a:t>
+            </a:r>
+            <a:r>
+              <a:rPr lang="en-US" altLang="zh-CN"/>
               <a:t>Logistic</a:t>
             </a:r>
             <a:r>
-              <a:rPr lang="zh-CN" altLang="en-US" dirty="0"/>
-              <a:t> </a:t>
-            </a:r>
-            <a:r>
-              <a:rPr lang="en-US" altLang="zh-CN" dirty="0"/>
+              <a:rPr lang="zh-CN" altLang="en-US"/>
+              <a:t> </a:t>
+            </a:r>
+            <a:r>
+              <a:rPr lang="en-US" altLang="zh-CN"/>
               <a:t>Regression</a:t>
             </a:r>
             <a:br>
-              <a:rPr lang="en-US" altLang="zh-CN" dirty="0"/>
+              <a:rPr lang="en-US" altLang="zh-CN"/>
             </a:br>
             <a:r>
-              <a:rPr lang="en-US" altLang="zh-CN" dirty="0"/>
+              <a:rPr lang="en-US" altLang="zh-CN"/>
               <a:t>2.</a:t>
             </a:r>
             <a:r>
-              <a:rPr lang="zh-CN" altLang="en-US" dirty="0"/>
-              <a:t> </a:t>
-            </a:r>
-            <a:r>
-              <a:rPr lang="en-US" altLang="zh-CN" dirty="0"/>
+              <a:rPr lang="zh-CN" altLang="en-US"/>
+              <a:t> </a:t>
+            </a:r>
+            <a:r>
+              <a:rPr lang="en-US" altLang="zh-CN"/>
               <a:t>Random</a:t>
             </a:r>
             <a:r>
-              <a:rPr lang="zh-CN" altLang="en-US" dirty="0"/>
-              <a:t> </a:t>
-            </a:r>
-            <a:r>
-              <a:rPr lang="en-US" altLang="zh-CN" dirty="0"/>
+              <a:rPr lang="zh-CN" altLang="en-US"/>
+              <a:t> </a:t>
+            </a:r>
+            <a:r>
+              <a:rPr lang="en-US" altLang="zh-CN"/>
               <a:t>Forest</a:t>
             </a:r>
             <a:br>
-              <a:rPr lang="en-US" altLang="zh-CN" dirty="0"/>
+              <a:rPr lang="en-US" altLang="zh-CN"/>
             </a:br>
             <a:r>
-              <a:rPr lang="en-US" altLang="zh-CN" dirty="0"/>
+              <a:rPr lang="en-US" altLang="zh-CN"/>
               <a:t>3.</a:t>
             </a:r>
             <a:r>
-              <a:rPr lang="zh-CN" altLang="en-US" dirty="0"/>
-              <a:t> </a:t>
-            </a:r>
-            <a:r>
-              <a:rPr lang="en-US" altLang="zh-CN" dirty="0"/>
+              <a:rPr lang="zh-CN" altLang="en-US"/>
+              <a:t> </a:t>
+            </a:r>
+            <a:r>
+              <a:rPr lang="en-US" altLang="zh-CN"/>
               <a:t>KNN</a:t>
             </a:r>
             <a:br>
-              <a:rPr lang="en-US" altLang="zh-CN" dirty="0"/>
+              <a:rPr lang="en-US" altLang="zh-CN"/>
             </a:br>
             <a:r>
-              <a:rPr lang="en-US" altLang="zh-CN" dirty="0"/>
+              <a:rPr lang="en-US" altLang="zh-CN"/>
               <a:t>4.</a:t>
             </a:r>
             <a:r>
-              <a:rPr lang="zh-CN" altLang="en-US" dirty="0"/>
-              <a:t> </a:t>
-            </a:r>
-            <a:r>
-              <a:rPr lang="en-US" altLang="zh-CN" dirty="0" err="1"/>
+              <a:rPr lang="zh-CN" altLang="en-US"/>
+              <a:t> </a:t>
+            </a:r>
+            <a:r>
+              <a:rPr lang="en-US" altLang="zh-CN"/>
               <a:t>XGBoost</a:t>
             </a:r>
             <a:br>
-              <a:rPr lang="en-US" altLang="zh-CN" dirty="0"/>
+              <a:rPr lang="en-US" altLang="zh-CN"/>
             </a:br>
             <a:r>
-              <a:rPr lang="en-US" altLang="zh-CN" dirty="0"/>
+              <a:rPr lang="en-US" altLang="zh-CN"/>
               <a:t>5.</a:t>
             </a:r>
             <a:r>
-              <a:rPr lang="zh-CN" altLang="en-US" dirty="0"/>
-              <a:t> </a:t>
-            </a:r>
-            <a:r>
-              <a:rPr lang="en-US" altLang="zh-CN" dirty="0"/>
+              <a:rPr lang="zh-CN" altLang="en-US"/>
+              <a:t> </a:t>
+            </a:r>
+            <a:r>
+              <a:rPr lang="en-US" altLang="zh-CN"/>
               <a:t>Support</a:t>
             </a:r>
             <a:r>
-              <a:rPr lang="zh-CN" altLang="en-US" dirty="0"/>
-              <a:t> </a:t>
-            </a:r>
-            <a:r>
-              <a:rPr lang="en-US" altLang="zh-CN" dirty="0"/>
+              <a:rPr lang="zh-CN" altLang="en-US"/>
+              <a:t> </a:t>
+            </a:r>
+            <a:r>
+              <a:rPr lang="en-US" altLang="zh-CN"/>
               <a:t>Vector</a:t>
             </a:r>
             <a:r>
-              <a:rPr lang="zh-CN" altLang="en-US" dirty="0"/>
-              <a:t> </a:t>
-            </a:r>
-            <a:r>
-              <a:rPr lang="en-US" altLang="zh-CN" dirty="0"/>
+              <a:rPr lang="zh-CN" altLang="en-US"/>
+              <a:t> </a:t>
+            </a:r>
+            <a:r>
+              <a:rPr lang="en-US" altLang="zh-CN"/>
               <a:t>Classification</a:t>
             </a:r>
+            <a:endParaRPr lang="en-US" altLang="zh-CN" dirty="0"/>
           </a:p>
         </p:txBody>
       </p:sp>
+      <p:pic>
+        <p:nvPicPr>
+          <p:cNvPr id="5" name="Picture 4" descr="Mushroom - Super Mario Wiki, the Mario encyclopedia">
+            <a:extLst>
+              <a:ext uri="{FF2B5EF4-FFF2-40B4-BE49-F238E27FC236}">
+                <a16:creationId xmlns:a16="http://schemas.microsoft.com/office/drawing/2014/main" id="{4D068D46-3A29-181D-9F0A-3254ACCDB1DE}"/>
+              </a:ext>
+            </a:extLst>
+          </p:cNvPr>
+          <p:cNvPicPr>
+            <a:picLocks noChangeAspect="1" noChangeArrowheads="1"/>
+          </p:cNvPicPr>
+          <p:nvPr/>
+        </p:nvPicPr>
+        <p:blipFill>
+          <a:blip r:embed="rId2">
+            <a:extLst>
+              <a:ext uri="{28A0092B-C50C-407E-A947-70E740481C1C}">
+                <a14:useLocalDpi xmlns:a14="http://schemas.microsoft.com/office/drawing/2010/main" val="0"/>
+              </a:ext>
+            </a:extLst>
+          </a:blip>
+          <a:srcRect/>
+          <a:stretch>
+            <a:fillRect/>
+          </a:stretch>
+        </p:blipFill>
+        <p:spPr bwMode="auto">
+          <a:xfrm>
+            <a:off x="10821065" y="73594"/>
+            <a:ext cx="1234424" cy="1216271"/>
+          </a:xfrm>
+          <a:prstGeom prst="rect">
+            <a:avLst/>
+          </a:prstGeom>
+          <a:noFill/>
+          <a:extLst>
+            <a:ext uri="{909E8E84-426E-40DD-AFC4-6F175D3DCCD1}">
+              <a14:hiddenFill xmlns:a14="http://schemas.microsoft.com/office/drawing/2010/main">
+                <a:solidFill>
+                  <a:srgbClr val="FFFFFF"/>
+                </a:solidFill>
+              </a14:hiddenFill>
+            </a:ext>
+          </a:extLst>
+        </p:spPr>
+      </p:pic>
     </p:spTree>
     <p:extLst>
       <p:ext uri="{BB962C8B-B14F-4D97-AF65-F5344CB8AC3E}">
@@ -9523,6 +9827,53 @@
           </a:graphicData>
         </a:graphic>
       </p:graphicFrame>
+      <p:pic>
+        <p:nvPicPr>
+          <p:cNvPr id="5" name="Picture 4" descr="Mushroom - Super Mario Wiki, the Mario encyclopedia">
+            <a:extLst>
+              <a:ext uri="{FF2B5EF4-FFF2-40B4-BE49-F238E27FC236}">
+                <a16:creationId xmlns:a16="http://schemas.microsoft.com/office/drawing/2014/main" id="{1A017DA7-58DC-EC8C-E005-C4E9DD7B10B0}"/>
+              </a:ext>
+            </a:extLst>
+          </p:cNvPr>
+          <p:cNvPicPr>
+            <a:picLocks noChangeAspect="1" noChangeArrowheads="1"/>
+          </p:cNvPicPr>
+          <p:nvPr/>
+        </p:nvPicPr>
+        <p:blipFill>
+          <a:blip r:embed="rId2">
+            <a:extLst>
+              <a:ext uri="{28A0092B-C50C-407E-A947-70E740481C1C}">
+                <a14:useLocalDpi xmlns:a14="http://schemas.microsoft.com/office/drawing/2010/main" val="0"/>
+              </a:ext>
+            </a:extLst>
+          </a:blip>
+          <a:srcRect/>
+          <a:stretch>
+            <a:fillRect/>
+          </a:stretch>
+        </p:blipFill>
+        <p:spPr bwMode="auto">
+          <a:xfrm>
+            <a:off x="10821065" y="73594"/>
+            <a:ext cx="1234424" cy="1216271"/>
+          </a:xfrm>
+          <a:prstGeom prst="rect">
+            <a:avLst/>
+          </a:prstGeom>
+          <a:noFill/>
+          <a:extLst>
+            <a:ext uri="{909E8E84-426E-40DD-AFC4-6F175D3DCCD1}">
+              <a14:hiddenFill xmlns:a14="http://schemas.microsoft.com/office/drawing/2010/main">
+                <a:solidFill>
+                  <a:srgbClr val="FFFFFF"/>
+                </a:solidFill>
+              </a14:hiddenFill>
+            </a:ext>
+          </a:extLst>
+        </p:spPr>
+      </p:pic>
     </p:spTree>
     <p:extLst>
       <p:ext uri="{BB962C8B-B14F-4D97-AF65-F5344CB8AC3E}">
@@ -10507,6 +10858,105 @@
           </a:prstGeom>
         </p:spPr>
       </p:pic>
+      <p:pic>
+        <p:nvPicPr>
+          <p:cNvPr id="21" name="Picture 20" descr="Mushroom - Super Mario Wiki, the Mario encyclopedia">
+            <a:extLst>
+              <a:ext uri="{FF2B5EF4-FFF2-40B4-BE49-F238E27FC236}">
+                <a16:creationId xmlns:a16="http://schemas.microsoft.com/office/drawing/2014/main" id="{5A8F13D2-7B97-426D-DDAC-635F5A765E3A}"/>
+              </a:ext>
+            </a:extLst>
+          </p:cNvPr>
+          <p:cNvPicPr>
+            <a:picLocks noChangeAspect="1" noChangeArrowheads="1"/>
+          </p:cNvPicPr>
+          <p:nvPr/>
+        </p:nvPicPr>
+        <p:blipFill>
+          <a:blip r:embed="rId4">
+            <a:extLst>
+              <a:ext uri="{28A0092B-C50C-407E-A947-70E740481C1C}">
+                <a14:useLocalDpi xmlns:a14="http://schemas.microsoft.com/office/drawing/2010/main" val="0"/>
+              </a:ext>
+            </a:extLst>
+          </a:blip>
+          <a:srcRect/>
+          <a:stretch>
+            <a:fillRect/>
+          </a:stretch>
+        </p:blipFill>
+        <p:spPr bwMode="auto">
+          <a:xfrm>
+            <a:off x="10821065" y="73594"/>
+            <a:ext cx="1234424" cy="1216271"/>
+          </a:xfrm>
+          <a:prstGeom prst="rect">
+            <a:avLst/>
+          </a:prstGeom>
+          <a:noFill/>
+          <a:extLst>
+            <a:ext uri="{909E8E84-426E-40DD-AFC4-6F175D3DCCD1}">
+              <a14:hiddenFill xmlns:a14="http://schemas.microsoft.com/office/drawing/2010/main">
+                <a:solidFill>
+                  <a:srgbClr val="FFFFFF"/>
+                </a:solidFill>
+              </a14:hiddenFill>
+            </a:ext>
+          </a:extLst>
+        </p:spPr>
+      </p:pic>
+      <p:sp>
+        <p:nvSpPr>
+          <p:cNvPr id="22" name="Oval 21">
+            <a:extLst>
+              <a:ext uri="{FF2B5EF4-FFF2-40B4-BE49-F238E27FC236}">
+                <a16:creationId xmlns:a16="http://schemas.microsoft.com/office/drawing/2014/main" id="{EE299799-83E4-7B73-ED2E-012C93F902E7}"/>
+              </a:ext>
+            </a:extLst>
+          </p:cNvPr>
+          <p:cNvSpPr/>
+          <p:nvPr/>
+        </p:nvSpPr>
+        <p:spPr>
+          <a:xfrm>
+            <a:off x="8381998" y="5840277"/>
+            <a:ext cx="674915" cy="283028"/>
+          </a:xfrm>
+          <a:prstGeom prst="ellipse">
+            <a:avLst/>
+          </a:prstGeom>
+          <a:noFill/>
+          <a:ln>
+            <a:solidFill>
+              <a:srgbClr val="FF0000"/>
+            </a:solidFill>
+          </a:ln>
+        </p:spPr>
+        <p:style>
+          <a:lnRef idx="2">
+            <a:schemeClr val="accent1">
+              <a:shade val="15000"/>
+            </a:schemeClr>
+          </a:lnRef>
+          <a:fillRef idx="1">
+            <a:schemeClr val="accent1"/>
+          </a:fillRef>
+          <a:effectRef idx="0">
+            <a:schemeClr val="accent1"/>
+          </a:effectRef>
+          <a:fontRef idx="minor">
+            <a:schemeClr val="lt1"/>
+          </a:fontRef>
+        </p:style>
+        <p:txBody>
+          <a:bodyPr rtlCol="0" anchor="ctr"/>
+          <a:lstStyle/>
+          <a:p>
+            <a:pPr algn="ctr"/>
+            <a:endParaRPr lang="en-US" dirty="0"/>
+          </a:p>
+        </p:txBody>
+      </p:sp>
     </p:spTree>
     <p:extLst>
       <p:ext uri="{BB962C8B-B14F-4D97-AF65-F5344CB8AC3E}">
@@ -11910,6 +12360,53 @@
           </a:graphicData>
         </a:graphic>
       </p:graphicFrame>
+      <p:pic>
+        <p:nvPicPr>
+          <p:cNvPr id="6" name="Picture 5" descr="Mushroom - Super Mario Wiki, the Mario encyclopedia">
+            <a:extLst>
+              <a:ext uri="{FF2B5EF4-FFF2-40B4-BE49-F238E27FC236}">
+                <a16:creationId xmlns:a16="http://schemas.microsoft.com/office/drawing/2014/main" id="{53314EAF-D4FB-708B-AB68-4E592E56162E}"/>
+              </a:ext>
+            </a:extLst>
+          </p:cNvPr>
+          <p:cNvPicPr>
+            <a:picLocks noChangeAspect="1" noChangeArrowheads="1"/>
+          </p:cNvPicPr>
+          <p:nvPr/>
+        </p:nvPicPr>
+        <p:blipFill>
+          <a:blip r:embed="rId2">
+            <a:extLst>
+              <a:ext uri="{28A0092B-C50C-407E-A947-70E740481C1C}">
+                <a14:useLocalDpi xmlns:a14="http://schemas.microsoft.com/office/drawing/2010/main" val="0"/>
+              </a:ext>
+            </a:extLst>
+          </a:blip>
+          <a:srcRect/>
+          <a:stretch>
+            <a:fillRect/>
+          </a:stretch>
+        </p:blipFill>
+        <p:spPr bwMode="auto">
+          <a:xfrm>
+            <a:off x="10821065" y="73594"/>
+            <a:ext cx="1234424" cy="1216271"/>
+          </a:xfrm>
+          <a:prstGeom prst="rect">
+            <a:avLst/>
+          </a:prstGeom>
+          <a:noFill/>
+          <a:extLst>
+            <a:ext uri="{909E8E84-426E-40DD-AFC4-6F175D3DCCD1}">
+              <a14:hiddenFill xmlns:a14="http://schemas.microsoft.com/office/drawing/2010/main">
+                <a:solidFill>
+                  <a:srgbClr val="FFFFFF"/>
+                </a:solidFill>
+              </a14:hiddenFill>
+            </a:ext>
+          </a:extLst>
+        </p:spPr>
+      </p:pic>
     </p:spTree>
     <p:extLst>
       <p:ext uri="{BB962C8B-B14F-4D97-AF65-F5344CB8AC3E}">
@@ -11958,7 +12455,7 @@
         </p:nvSpPr>
         <p:spPr>
           <a:xfrm>
-            <a:off x="838200" y="237364"/>
+            <a:off x="838200" y="19650"/>
             <a:ext cx="10515600" cy="1116811"/>
           </a:xfrm>
         </p:spPr>
@@ -12024,7 +12521,7 @@
         </p:nvSpPr>
         <p:spPr>
           <a:xfrm>
-            <a:off x="420189" y="1904714"/>
+            <a:off x="558619" y="1523714"/>
             <a:ext cx="10515600" cy="4114801"/>
           </a:xfrm>
         </p:spPr>
@@ -12111,36 +12608,6 @@
           </a:p>
         </p:txBody>
       </p:sp>
-      <p:pic>
-        <p:nvPicPr>
-          <p:cNvPr id="8" name="Picture 7" descr="A colorful squares with numbers and labels&#10;&#10;Description automatically generated">
-            <a:extLst>
-              <a:ext uri="{FF2B5EF4-FFF2-40B4-BE49-F238E27FC236}">
-                <a16:creationId xmlns:a16="http://schemas.microsoft.com/office/drawing/2014/main" id="{962DB716-66F5-B2D1-A403-92A10D188DC6}"/>
-              </a:ext>
-            </a:extLst>
-          </p:cNvPr>
-          <p:cNvPicPr>
-            <a:picLocks noChangeAspect="1"/>
-          </p:cNvPicPr>
-          <p:nvPr/>
-        </p:nvPicPr>
-        <p:blipFill>
-          <a:blip r:embed="rId2"/>
-          <a:stretch>
-            <a:fillRect/>
-          </a:stretch>
-        </p:blipFill>
-        <p:spPr>
-          <a:xfrm>
-            <a:off x="4446089" y="1473200"/>
-            <a:ext cx="6489700" cy="5384800"/>
-          </a:xfrm>
-          <a:prstGeom prst="rect">
-            <a:avLst/>
-          </a:prstGeom>
-        </p:spPr>
-      </p:pic>
       <p:sp>
         <p:nvSpPr>
           <p:cNvPr id="9" name="TextBox 8">
@@ -12176,41 +12643,7 @@
                 </a:solidFill>
                 <a:effectLst/>
               </a:rPr>
-              <a:t>please do not pick and eat </a:t>
-            </a:r>
-            <a:br>
-              <a:rPr lang="en-US" sz="2400" dirty="0">
-                <a:solidFill>
-                  <a:srgbClr val="FF0000"/>
-                </a:solidFill>
-                <a:effectLst/>
-              </a:rPr>
-            </a:br>
-            <a:r>
-              <a:rPr lang="en-US" sz="2400" dirty="0">
-                <a:solidFill>
-                  <a:srgbClr val="FF0000"/>
-                </a:solidFill>
-                <a:effectLst/>
-              </a:rPr>
-              <a:t>any mushroom you see in </a:t>
-            </a:r>
-            <a:br>
-              <a:rPr lang="en-US" sz="2400" dirty="0">
-                <a:solidFill>
-                  <a:srgbClr val="FF0000"/>
-                </a:solidFill>
-                <a:effectLst/>
-              </a:rPr>
-            </a:br>
-            <a:r>
-              <a:rPr lang="en-US" sz="2400" dirty="0">
-                <a:solidFill>
-                  <a:srgbClr val="FF0000"/>
-                </a:solidFill>
-                <a:effectLst/>
-              </a:rPr>
-              <a:t>the nature</a:t>
+              <a:t>For safety, please do not pick and eat any mushroom you see in the nature</a:t>
             </a:r>
             <a:r>
               <a:rPr lang="zh-CN" altLang="en-US" sz="2400" dirty="0">
@@ -12233,6 +12666,36 @@
           </a:p>
         </p:txBody>
       </p:sp>
+      <p:pic>
+        <p:nvPicPr>
+          <p:cNvPr id="11" name="Picture 10" descr="A chart of a variety of colors&#10;&#10;Description automatically generated with medium confidence">
+            <a:extLst>
+              <a:ext uri="{FF2B5EF4-FFF2-40B4-BE49-F238E27FC236}">
+                <a16:creationId xmlns:a16="http://schemas.microsoft.com/office/drawing/2014/main" id="{6F7EAF78-69E7-815A-8931-D618C443E493}"/>
+              </a:ext>
+            </a:extLst>
+          </p:cNvPr>
+          <p:cNvPicPr>
+            <a:picLocks noChangeAspect="1"/>
+          </p:cNvPicPr>
+          <p:nvPr/>
+        </p:nvPicPr>
+        <p:blipFill>
+          <a:blip r:embed="rId2"/>
+          <a:stretch>
+            <a:fillRect/>
+          </a:stretch>
+        </p:blipFill>
+        <p:spPr>
+          <a:xfrm>
+            <a:off x="4461602" y="1219485"/>
+            <a:ext cx="6845482" cy="5528542"/>
+          </a:xfrm>
+          <a:prstGeom prst="rect">
+            <a:avLst/>
+          </a:prstGeom>
+        </p:spPr>
+      </p:pic>
     </p:spTree>
     <p:extLst>
       <p:ext uri="{BB962C8B-B14F-4D97-AF65-F5344CB8AC3E}">
@@ -12243,84 +12706,6 @@
   <p:clrMapOvr>
     <a:masterClrMapping/>
   </p:clrMapOvr>
-  <p:timing>
-    <p:tnLst>
-      <p:par>
-        <p:cTn id="1" dur="indefinite" restart="never" nodeType="tmRoot">
-          <p:childTnLst>
-            <p:seq concurrent="1" nextAc="seek">
-              <p:cTn id="2" dur="indefinite" nodeType="mainSeq">
-                <p:childTnLst>
-                  <p:par>
-                    <p:cTn id="3" fill="hold">
-                      <p:stCondLst>
-                        <p:cond delay="indefinite"/>
-                      </p:stCondLst>
-                      <p:childTnLst>
-                        <p:par>
-                          <p:cTn id="4" fill="hold">
-                            <p:stCondLst>
-                              <p:cond delay="0"/>
-                            </p:stCondLst>
-                            <p:childTnLst>
-                              <p:par>
-                                <p:cTn id="5" presetID="1" presetClass="entr" presetSubtype="0" fill="hold" grpId="0" nodeType="clickEffect">
-                                  <p:stCondLst>
-                                    <p:cond delay="0"/>
-                                  </p:stCondLst>
-                                  <p:childTnLst>
-                                    <p:set>
-                                      <p:cBhvr>
-                                        <p:cTn id="6" dur="1" fill="hold">
-                                          <p:stCondLst>
-                                            <p:cond delay="0"/>
-                                          </p:stCondLst>
-                                        </p:cTn>
-                                        <p:tgtEl>
-                                          <p:spTgt spid="9"/>
-                                        </p:tgtEl>
-                                        <p:attrNameLst>
-                                          <p:attrName>style.visibility</p:attrName>
-                                        </p:attrNameLst>
-                                      </p:cBhvr>
-                                      <p:to>
-                                        <p:strVal val="visible"/>
-                                      </p:to>
-                                    </p:set>
-                                  </p:childTnLst>
-                                </p:cTn>
-                              </p:par>
-                            </p:childTnLst>
-                          </p:cTn>
-                        </p:par>
-                      </p:childTnLst>
-                    </p:cTn>
-                  </p:par>
-                </p:childTnLst>
-              </p:cTn>
-              <p:prevCondLst>
-                <p:cond evt="onPrev" delay="0">
-                  <p:tgtEl>
-                    <p:sldTgt/>
-                  </p:tgtEl>
-                </p:cond>
-              </p:prevCondLst>
-              <p:nextCondLst>
-                <p:cond evt="onNext" delay="0">
-                  <p:tgtEl>
-                    <p:sldTgt/>
-                  </p:tgtEl>
-                </p:cond>
-              </p:nextCondLst>
-            </p:seq>
-          </p:childTnLst>
-        </p:cTn>
-      </p:par>
-    </p:tnLst>
-    <p:bldLst>
-      <p:bldP spid="9" grpId="0"/>
-    </p:bldLst>
-  </p:timing>
 </p:sld>
 </file>
 
@@ -12529,12 +12914,59 @@
         </p:blipFill>
         <p:spPr>
           <a:xfrm>
-            <a:off x="3625386" y="1701801"/>
+            <a:off x="3764731" y="1701801"/>
             <a:ext cx="8427269" cy="5015948"/>
           </a:xfrm>
           <a:prstGeom prst="rect">
             <a:avLst/>
           </a:prstGeom>
+        </p:spPr>
+      </p:pic>
+      <p:pic>
+        <p:nvPicPr>
+          <p:cNvPr id="6" name="Picture 5" descr="Mushroom - Super Mario Wiki, the Mario encyclopedia">
+            <a:extLst>
+              <a:ext uri="{FF2B5EF4-FFF2-40B4-BE49-F238E27FC236}">
+                <a16:creationId xmlns:a16="http://schemas.microsoft.com/office/drawing/2014/main" id="{D25B58A8-2E1B-4E28-F4F3-433315B07C26}"/>
+              </a:ext>
+            </a:extLst>
+          </p:cNvPr>
+          <p:cNvPicPr>
+            <a:picLocks noChangeAspect="1" noChangeArrowheads="1"/>
+          </p:cNvPicPr>
+          <p:nvPr/>
+        </p:nvPicPr>
+        <p:blipFill>
+          <a:blip r:embed="rId4">
+            <a:extLst>
+              <a:ext uri="{28A0092B-C50C-407E-A947-70E740481C1C}">
+                <a14:useLocalDpi xmlns:a14="http://schemas.microsoft.com/office/drawing/2010/main" val="0"/>
+              </a:ext>
+            </a:extLst>
+          </a:blip>
+          <a:srcRect/>
+          <a:stretch>
+            <a:fillRect/>
+          </a:stretch>
+        </p:blipFill>
+        <p:spPr bwMode="auto">
+          <a:xfrm>
+            <a:off x="10821065" y="73594"/>
+            <a:ext cx="1234424" cy="1216271"/>
+          </a:xfrm>
+          <a:prstGeom prst="rect">
+            <a:avLst/>
+          </a:prstGeom>
+          <a:noFill/>
+          <a:extLst>
+            <a:ext uri="{909E8E84-426E-40DD-AFC4-6F175D3DCCD1}">
+              <a14:hiddenFill xmlns:a14="http://schemas.microsoft.com/office/drawing/2010/main">
+                <a:solidFill>
+                  <a:srgbClr val="FFFFFF"/>
+                </a:solidFill>
+              </a14:hiddenFill>
+            </a:ext>
+          </a:extLst>
         </p:spPr>
       </p:pic>
     </p:spTree>
